--- a/LectureSlides/Lecture 5_ k-NNs, Decision Trees, Ensemble Methods.pptx
+++ b/LectureSlides/Lecture 5_ k-NNs, Decision Trees, Ensemble Methods.pptx
@@ -3616,44 +3616,7 @@
               <a:buNone/>
             </a:pPr>
             <a:r>
-              <a:rPr lang="en" u="sng">
-                <a:solidFill>
-                  <a:schemeClr val="hlink"/>
-                </a:solidFill>
-                <a:hlinkClick r:id="rId2"/>
-              </a:rPr>
-              <a:t>https://www.w3resource.com/python-exercises/numpy/linear-algebra/numpy-linear-algebra-exercise-1.php</a:t>
-            </a:r>
-            <a:endParaRPr/>
-          </a:p>
-          <a:p>
-            <a:pPr indent="0" lvl="0" marL="0" rtl="0" algn="l">
-              <a:spcBef>
-                <a:spcPts val="0"/>
-              </a:spcBef>
-              <a:spcAft>
-                <a:spcPts val="0"/>
-              </a:spcAft>
-              <a:buNone/>
-            </a:pPr>
-            <a:r>
               <a:t/>
-            </a:r>
-            <a:endParaRPr/>
-          </a:p>
-          <a:p>
-            <a:pPr indent="0" lvl="0" marL="0" rtl="0" algn="l">
-              <a:spcBef>
-                <a:spcPts val="0"/>
-              </a:spcBef>
-              <a:spcAft>
-                <a:spcPts val="0"/>
-              </a:spcAft>
-              <a:buNone/>
-            </a:pPr>
-            <a:r>
-              <a:rPr lang="en"/>
-              <a:t>Read up on eigenvectors and eigenvalues</a:t>
             </a:r>
             <a:endParaRPr/>
           </a:p>
@@ -38477,7 +38440,7 @@
                 <a:cs typeface="Roboto Slab"/>
                 <a:sym typeface="Roboto Slab"/>
               </a:rPr>
-              <a:t>Assignment5-AlgorithmComparsion.ipynb</a:t>
+              <a:t>Assignment5-KNNsAndEnsembleMethods.ipynb</a:t>
             </a:r>
             <a:r>
               <a:rPr b="1" lang="en" sz="2000">
@@ -42590,9 +42553,9 @@
 </file>
 
 <file path=ppt/theme/theme2.xml><?xml version="1.0" encoding="utf-8"?>
-<a:theme xmlns:a="http://schemas.openxmlformats.org/drawingml/2006/main" xmlns:r="http://schemas.openxmlformats.org/officeDocument/2006/relationships">
+<a:theme xmlns:a="http://schemas.openxmlformats.org/drawingml/2006/main" xmlns:r="http://schemas.openxmlformats.org/officeDocument/2006/relationships" name="Cordelia template">
   <a:themeElements>
-    <a:clrScheme name="Default">
+    <a:clrScheme name="Custom 347">
       <a:dk1>
         <a:srgbClr val="000000"/>
       </a:dk1>
@@ -42600,34 +42563,34 @@
         <a:srgbClr val="FFFFFF"/>
       </a:lt1>
       <a:dk2>
-        <a:srgbClr val="158158"/>
+        <a:srgbClr val="666666"/>
       </a:dk2>
       <a:lt2>
-        <a:srgbClr val="F3F3F3"/>
+        <a:srgbClr val="CCCCCC"/>
       </a:lt2>
       <a:accent1>
-        <a:srgbClr val="058DC7"/>
+        <a:srgbClr val="3A81BA"/>
       </a:accent1>
       <a:accent2>
-        <a:srgbClr val="50B432"/>
+        <a:srgbClr val="D89F39"/>
       </a:accent2>
       <a:accent3>
-        <a:srgbClr val="ED561B"/>
+        <a:srgbClr val="8BAB42"/>
       </a:accent3>
       <a:accent4>
-        <a:srgbClr val="EDEF00"/>
+        <a:srgbClr val="57A7B5"/>
       </a:accent4>
       <a:accent5>
-        <a:srgbClr val="24CBE5"/>
+        <a:srgbClr val="8B81D2"/>
       </a:accent5>
       <a:accent6>
-        <a:srgbClr val="64E572"/>
+        <a:srgbClr val="963334"/>
       </a:accent6>
       <a:hlink>
-        <a:srgbClr val="2200CC"/>
+        <a:srgbClr val="1155CC"/>
       </a:hlink>
       <a:folHlink>
-        <a:srgbClr val="551A8B"/>
+        <a:srgbClr val="6611CC"/>
       </a:folHlink>
     </a:clrScheme>
     <a:fontScheme name="Office">
@@ -43148,9 +43111,9 @@
 </file>
 
 <file path=ppt/theme/theme4.xml><?xml version="1.0" encoding="utf-8"?>
-<a:theme xmlns:a="http://schemas.openxmlformats.org/drawingml/2006/main" xmlns:r="http://schemas.openxmlformats.org/officeDocument/2006/relationships" name="Cordelia template">
+<a:theme xmlns:a="http://schemas.openxmlformats.org/drawingml/2006/main" xmlns:r="http://schemas.openxmlformats.org/officeDocument/2006/relationships">
   <a:themeElements>
-    <a:clrScheme name="Custom 347">
+    <a:clrScheme name="Default">
       <a:dk1>
         <a:srgbClr val="000000"/>
       </a:dk1>
@@ -43158,34 +43121,34 @@
         <a:srgbClr val="FFFFFF"/>
       </a:lt1>
       <a:dk2>
-        <a:srgbClr val="666666"/>
+        <a:srgbClr val="158158"/>
       </a:dk2>
       <a:lt2>
-        <a:srgbClr val="CCCCCC"/>
+        <a:srgbClr val="F3F3F3"/>
       </a:lt2>
       <a:accent1>
-        <a:srgbClr val="3A81BA"/>
+        <a:srgbClr val="058DC7"/>
       </a:accent1>
       <a:accent2>
-        <a:srgbClr val="D89F39"/>
+        <a:srgbClr val="50B432"/>
       </a:accent2>
       <a:accent3>
-        <a:srgbClr val="8BAB42"/>
+        <a:srgbClr val="ED561B"/>
       </a:accent3>
       <a:accent4>
-        <a:srgbClr val="57A7B5"/>
+        <a:srgbClr val="EDEF00"/>
       </a:accent4>
       <a:accent5>
-        <a:srgbClr val="8B81D2"/>
+        <a:srgbClr val="24CBE5"/>
       </a:accent5>
       <a:accent6>
-        <a:srgbClr val="963334"/>
+        <a:srgbClr val="64E572"/>
       </a:accent6>
       <a:hlink>
-        <a:srgbClr val="1155CC"/>
+        <a:srgbClr val="2200CC"/>
       </a:hlink>
       <a:folHlink>
-        <a:srgbClr val="6611CC"/>
+        <a:srgbClr val="551A8B"/>
       </a:folHlink>
     </a:clrScheme>
     <a:fontScheme name="Office">
